--- a/Lab5/images/images.pptx
+++ b/Lab5/images/images.pptx
@@ -108,6 +108,11 @@
       </a:defRPr>
     </a:lvl9pPr>
   </p:defaultTextStyle>
+  <p:extLst>
+    <p:ext uri="{EFAFB233-063F-42B5-8137-9DF3F51BA10A}">
+      <p15:sldGuideLst xmlns:p15="http://schemas.microsoft.com/office/powerpoint/2012/main"/>
+    </p:ext>
+  </p:extLst>
 </p:presentation>
 </file>
 
@@ -132,7 +137,7 @@
           <a:lstStyle/>
           <a:p>
             <a:pPr>
-              <a:defRPr sz="1400" b="0" i="0" u="none" strike="noStrike" kern="1200" spc="0" baseline="0">
+              <a:defRPr sz="3200" b="0" i="0" u="none" strike="noStrike" kern="1200" spc="0" baseline="0">
                 <a:solidFill>
                   <a:schemeClr val="tx1">
                     <a:lumMod val="65000"/>
@@ -145,7 +150,7 @@
               </a:defRPr>
             </a:pPr>
             <a:r>
-              <a:rPr lang="en-CA"/>
+              <a:rPr lang="en-CA" sz="3200"/>
               <a:t>Rate vs. Thrust</a:t>
             </a:r>
           </a:p>
@@ -164,7 +169,7 @@
         <a:lstStyle/>
         <a:p>
           <a:pPr>
-            <a:defRPr sz="1400" b="0" i="0" u="none" strike="noStrike" kern="1200" spc="0" baseline="0">
+            <a:defRPr sz="3200" b="0" i="0" u="none" strike="noStrike" kern="1200" spc="0" baseline="0">
               <a:solidFill>
                 <a:schemeClr val="tx1">
                   <a:lumMod val="65000"/>
@@ -502,6 +507,7 @@
         <c:axId val="682303983"/>
         <c:scaling>
           <c:orientation val="minMax"/>
+          <c:min val="28600"/>
         </c:scaling>
         <c:delete val="0"/>
         <c:axPos val="b"/>
@@ -512,7 +518,7 @@
               <a:lstStyle/>
               <a:p>
                 <a:pPr>
-                  <a:defRPr sz="1000" b="0" i="0" u="none" strike="noStrike" kern="1200" baseline="0">
+                  <a:defRPr sz="2500" b="0" i="0" u="none" strike="noStrike" kern="1200" baseline="0">
                     <a:solidFill>
                       <a:schemeClr val="tx1">
                         <a:lumMod val="65000"/>
@@ -525,7 +531,7 @@
                   </a:defRPr>
                 </a:pPr>
                 <a:r>
-                  <a:rPr lang="en-CA"/>
+                  <a:rPr lang="en-CA" sz="2500"/>
                   <a:t>Rate</a:t>
                 </a:r>
               </a:p>
@@ -544,7 +550,7 @@
             <a:lstStyle/>
             <a:p>
               <a:pPr>
-                <a:defRPr sz="1000" b="0" i="0" u="none" strike="noStrike" kern="1200" baseline="0">
+                <a:defRPr sz="2500" b="0" i="0" u="none" strike="noStrike" kern="1200" baseline="0">
                   <a:solidFill>
                     <a:schemeClr val="tx1">
                       <a:lumMod val="65000"/>
@@ -582,7 +588,7 @@
           <a:lstStyle/>
           <a:p>
             <a:pPr>
-              <a:defRPr sz="900" b="0" i="0" u="none" strike="noStrike" kern="1200" baseline="0">
+              <a:defRPr sz="2200" b="0" i="0" u="none" strike="noStrike" kern="1200" baseline="0">
                 <a:solidFill>
                   <a:schemeClr val="tx1">
                     <a:lumMod val="65000"/>
@@ -617,7 +623,7 @@
               <a:lstStyle/>
               <a:p>
                 <a:pPr>
-                  <a:defRPr sz="1000" b="0" i="0" u="none" strike="noStrike" kern="1200" baseline="0">
+                  <a:defRPr sz="2500" b="0" i="0" u="none" strike="noStrike" kern="1200" baseline="0">
                     <a:solidFill>
                       <a:schemeClr val="tx1">
                         <a:lumMod val="65000"/>
@@ -630,7 +636,7 @@
                   </a:defRPr>
                 </a:pPr>
                 <a:r>
-                  <a:rPr lang="en-CA"/>
+                  <a:rPr lang="en-CA" sz="2500"/>
                   <a:t>Thrust</a:t>
                 </a:r>
               </a:p>
@@ -649,7 +655,7 @@
             <a:lstStyle/>
             <a:p>
               <a:pPr>
-                <a:defRPr sz="1000" b="0" i="0" u="none" strike="noStrike" kern="1200" baseline="0">
+                <a:defRPr sz="2500" b="0" i="0" u="none" strike="noStrike" kern="1200" baseline="0">
                   <a:solidFill>
                     <a:schemeClr val="tx1">
                       <a:lumMod val="65000"/>
@@ -687,7 +693,7 @@
           <a:lstStyle/>
           <a:p>
             <a:pPr>
-              <a:defRPr sz="900" b="0" i="0" u="none" strike="noStrike" kern="1200" baseline="0">
+              <a:defRPr sz="2200" b="0" i="0" u="none" strike="noStrike" kern="1200" baseline="0">
                 <a:solidFill>
                   <a:schemeClr val="tx1">
                     <a:lumMod val="65000"/>
@@ -769,7 +775,7 @@
           <a:lstStyle/>
           <a:p>
             <a:pPr>
-              <a:defRPr sz="1400" b="0" i="0" u="none" strike="noStrike" kern="1200" spc="0" baseline="0">
+              <a:defRPr sz="2800" b="0" i="0" u="none" strike="noStrike" kern="1200" spc="0" baseline="0">
                 <a:solidFill>
                   <a:schemeClr val="tx1">
                     <a:lumMod val="65000"/>
@@ -782,14 +788,18 @@
               </a:defRPr>
             </a:pPr>
             <a:r>
-              <a:rPr lang="en-CA"/>
-              <a:t>Extemp vs.</a:t>
+              <a:rPr lang="en-CA" sz="3200" dirty="0" err="1"/>
+              <a:t>Extemp</a:t>
             </a:r>
             <a:r>
-              <a:rPr lang="en-CA" baseline="0"/>
+              <a:rPr lang="en-CA" sz="3200" dirty="0"/>
+              <a:t> vs.</a:t>
+            </a:r>
+            <a:r>
+              <a:rPr lang="en-CA" sz="3200" baseline="0" dirty="0"/>
               <a:t> Thrust</a:t>
             </a:r>
-            <a:endParaRPr lang="en-CA"/>
+            <a:endParaRPr lang="en-CA" sz="3200" dirty="0"/>
           </a:p>
         </c:rich>
       </c:tx>
@@ -806,7 +816,7 @@
         <a:lstStyle/>
         <a:p>
           <a:pPr>
-            <a:defRPr sz="1400" b="0" i="0" u="none" strike="noStrike" kern="1200" spc="0" baseline="0">
+            <a:defRPr sz="2800" b="0" i="0" u="none" strike="noStrike" kern="1200" spc="0" baseline="0">
               <a:solidFill>
                 <a:schemeClr val="tx1">
                   <a:lumMod val="65000"/>
@@ -1154,7 +1164,7 @@
               <a:lstStyle/>
               <a:p>
                 <a:pPr>
-                  <a:defRPr sz="1000" b="0" i="0" u="none" strike="noStrike" kern="1200" baseline="0">
+                  <a:defRPr sz="2500" b="0" i="0" u="none" strike="noStrike" kern="1200" baseline="0">
                     <a:solidFill>
                       <a:schemeClr val="tx1">
                         <a:lumMod val="65000"/>
@@ -1167,7 +1177,7 @@
                   </a:defRPr>
                 </a:pPr>
                 <a:r>
-                  <a:rPr lang="en-CA"/>
+                  <a:rPr lang="en-CA" sz="2500"/>
                   <a:t>Extemp</a:t>
                 </a:r>
               </a:p>
@@ -1186,7 +1196,7 @@
             <a:lstStyle/>
             <a:p>
               <a:pPr>
-                <a:defRPr sz="1000" b="0" i="0" u="none" strike="noStrike" kern="1200" baseline="0">
+                <a:defRPr sz="2500" b="0" i="0" u="none" strike="noStrike" kern="1200" baseline="0">
                   <a:solidFill>
                     <a:schemeClr val="tx1">
                       <a:lumMod val="65000"/>
@@ -1224,7 +1234,7 @@
           <a:lstStyle/>
           <a:p>
             <a:pPr>
-              <a:defRPr sz="900" b="0" i="0" u="none" strike="noStrike" kern="1200" baseline="0">
+              <a:defRPr sz="2200" b="0" i="0" u="none" strike="noStrike" kern="1200" baseline="0">
                 <a:solidFill>
                   <a:schemeClr val="tx1">
                     <a:lumMod val="65000"/>
@@ -1259,7 +1269,7 @@
               <a:lstStyle/>
               <a:p>
                 <a:pPr>
-                  <a:defRPr sz="1000" b="0" i="0" u="none" strike="noStrike" kern="1200" baseline="0">
+                  <a:defRPr sz="2500" b="0" i="0" u="none" strike="noStrike" kern="1200" baseline="0">
                     <a:solidFill>
                       <a:schemeClr val="tx1">
                         <a:lumMod val="65000"/>
@@ -1272,7 +1282,7 @@
                   </a:defRPr>
                 </a:pPr>
                 <a:r>
-                  <a:rPr lang="en-CA"/>
+                  <a:rPr lang="en-CA" sz="2500"/>
                   <a:t>Thrust</a:t>
                 </a:r>
               </a:p>
@@ -1291,7 +1301,7 @@
             <a:lstStyle/>
             <a:p>
               <a:pPr>
-                <a:defRPr sz="1000" b="0" i="0" u="none" strike="noStrike" kern="1200" baseline="0">
+                <a:defRPr sz="2500" b="0" i="0" u="none" strike="noStrike" kern="1200" baseline="0">
                   <a:solidFill>
                     <a:schemeClr val="tx1">
                       <a:lumMod val="65000"/>
@@ -1329,7 +1339,7 @@
           <a:lstStyle/>
           <a:p>
             <a:pPr>
-              <a:defRPr sz="900" b="0" i="0" u="none" strike="noStrike" kern="1200" baseline="0">
+              <a:defRPr sz="2200" b="0" i="0" u="none" strike="noStrike" kern="1200" baseline="0">
                 <a:solidFill>
                   <a:schemeClr val="tx1">
                     <a:lumMod val="65000"/>
@@ -1411,7 +1421,7 @@
           <a:lstStyle/>
           <a:p>
             <a:pPr>
-              <a:defRPr sz="1400" b="0" i="0" u="none" strike="noStrike" kern="1200" spc="0" baseline="0">
+              <a:defRPr sz="3200" b="0" i="0" u="none" strike="noStrike" kern="1200" spc="0" baseline="0">
                 <a:solidFill>
                   <a:schemeClr val="tx1">
                     <a:lumMod val="65000"/>
@@ -1424,7 +1434,7 @@
               </a:defRPr>
             </a:pPr>
             <a:r>
-              <a:rPr lang="en-CA"/>
+              <a:rPr lang="en-CA" sz="3200"/>
               <a:t>Ambtemp vs. Thrust</a:t>
             </a:r>
           </a:p>
@@ -1443,7 +1453,7 @@
         <a:lstStyle/>
         <a:p>
           <a:pPr>
-            <a:defRPr sz="1400" b="0" i="0" u="none" strike="noStrike" kern="1200" spc="0" baseline="0">
+            <a:defRPr sz="3200" b="0" i="0" u="none" strike="noStrike" kern="1200" spc="0" baseline="0">
               <a:solidFill>
                 <a:schemeClr val="tx1">
                   <a:lumMod val="65000"/>
@@ -1791,7 +1801,7 @@
               <a:lstStyle/>
               <a:p>
                 <a:pPr>
-                  <a:defRPr sz="1000" b="0" i="0" u="none" strike="noStrike" kern="1200" baseline="0">
+                  <a:defRPr sz="2500" b="0" i="0" u="none" strike="noStrike" kern="1200" baseline="0">
                     <a:solidFill>
                       <a:schemeClr val="tx1">
                         <a:lumMod val="65000"/>
@@ -1804,7 +1814,7 @@
                   </a:defRPr>
                 </a:pPr>
                 <a:r>
-                  <a:rPr lang="en-CA"/>
+                  <a:rPr lang="en-CA" sz="2500"/>
                   <a:t>Ambtemp</a:t>
                 </a:r>
               </a:p>
@@ -1823,7 +1833,7 @@
             <a:lstStyle/>
             <a:p>
               <a:pPr>
-                <a:defRPr sz="1000" b="0" i="0" u="none" strike="noStrike" kern="1200" baseline="0">
+                <a:defRPr sz="2500" b="0" i="0" u="none" strike="noStrike" kern="1200" baseline="0">
                   <a:solidFill>
                     <a:schemeClr val="tx1">
                       <a:lumMod val="65000"/>
@@ -1861,7 +1871,7 @@
           <a:lstStyle/>
           <a:p>
             <a:pPr>
-              <a:defRPr sz="900" b="0" i="0" u="none" strike="noStrike" kern="1200" baseline="0">
+              <a:defRPr sz="2200" b="0" i="0" u="none" strike="noStrike" kern="1200" baseline="0">
                 <a:solidFill>
                   <a:schemeClr val="tx1">
                     <a:lumMod val="65000"/>
@@ -1896,7 +1906,7 @@
               <a:lstStyle/>
               <a:p>
                 <a:pPr>
-                  <a:defRPr sz="1000" b="0" i="0" u="none" strike="noStrike" kern="1200" baseline="0">
+                  <a:defRPr sz="2500" b="0" i="0" u="none" strike="noStrike" kern="1200" baseline="0">
                     <a:solidFill>
                       <a:schemeClr val="tx1">
                         <a:lumMod val="65000"/>
@@ -1909,7 +1919,7 @@
                   </a:defRPr>
                 </a:pPr>
                 <a:r>
-                  <a:rPr lang="en-CA"/>
+                  <a:rPr lang="en-CA" sz="2500"/>
                   <a:t>Thrust</a:t>
                 </a:r>
               </a:p>
@@ -1928,7 +1938,7 @@
             <a:lstStyle/>
             <a:p>
               <a:pPr>
-                <a:defRPr sz="1000" b="0" i="0" u="none" strike="noStrike" kern="1200" baseline="0">
+                <a:defRPr sz="2500" b="0" i="0" u="none" strike="noStrike" kern="1200" baseline="0">
                   <a:solidFill>
                     <a:schemeClr val="tx1">
                       <a:lumMod val="65000"/>
@@ -1966,7 +1976,7 @@
           <a:lstStyle/>
           <a:p>
             <a:pPr>
-              <a:defRPr sz="900" b="0" i="0" u="none" strike="noStrike" kern="1200" baseline="0">
+              <a:defRPr sz="2200" b="0" i="0" u="none" strike="noStrike" kern="1200" baseline="0">
                 <a:solidFill>
                   <a:schemeClr val="tx1">
                     <a:lumMod val="65000"/>
@@ -2022,6 +2032,860 @@
     </a:p>
   </c:txPr>
   <c:externalData r:id="rId3">
+    <c:autoUpdate val="0"/>
+  </c:externalData>
+</c:chartSpace>
+</file>
+
+<file path=ppt/charts/chart4.xml><?xml version="1.0" encoding="utf-8"?>
+<c:chartSpace xmlns:c="http://schemas.openxmlformats.org/drawingml/2006/chart" xmlns:a="http://schemas.openxmlformats.org/drawingml/2006/main" xmlns:r="http://schemas.openxmlformats.org/officeDocument/2006/relationships" xmlns:c16r2="http://schemas.microsoft.com/office/drawing/2015/06/chart">
+  <c:date1904 val="0"/>
+  <c:lang val="en-US"/>
+  <c:roundedCorners val="0"/>
+  <mc:AlternateContent xmlns:mc="http://schemas.openxmlformats.org/markup-compatibility/2006">
+    <mc:Choice xmlns:c14="http://schemas.microsoft.com/office/drawing/2007/8/2/chart" Requires="c14">
+      <c14:style val="102"/>
+    </mc:Choice>
+    <mc:Fallback>
+      <c:style val="2"/>
+    </mc:Fallback>
+  </mc:AlternateContent>
+  <c:chart>
+    <c:title>
+      <c:tx>
+        <c:rich>
+          <a:bodyPr/>
+          <a:lstStyle/>
+          <a:p>
+            <a:pPr>
+              <a:defRPr b="0"/>
+            </a:pPr>
+            <a:r>
+              <a:rPr lang="en-CA" sz="3200" b="0" dirty="0"/>
+              <a:t>Rate  Residual Plot</a:t>
+            </a:r>
+          </a:p>
+        </c:rich>
+      </c:tx>
+      <c:overlay val="0"/>
+    </c:title>
+    <c:autoTitleDeleted val="0"/>
+    <c:plotArea>
+      <c:layout/>
+      <c:scatterChart>
+        <c:scatterStyle val="lineMarker"/>
+        <c:varyColors val="0"/>
+        <c:ser>
+          <c:idx val="0"/>
+          <c:order val="0"/>
+          <c:spPr>
+            <a:ln w="19050">
+              <a:noFill/>
+            </a:ln>
+          </c:spPr>
+          <c:xVal>
+            <c:numRef>
+              <c:f>'Lab 5 Data'!$B$2:$B$41</c:f>
+              <c:numCache>
+                <c:formatCode>0</c:formatCode>
+                <c:ptCount val="40"/>
+                <c:pt idx="0">
+                  <c:v>30250</c:v>
+                </c:pt>
+                <c:pt idx="1">
+                  <c:v>30010</c:v>
+                </c:pt>
+                <c:pt idx="2">
+                  <c:v>29780</c:v>
+                </c:pt>
+                <c:pt idx="3">
+                  <c:v>29330</c:v>
+                </c:pt>
+                <c:pt idx="4">
+                  <c:v>28960</c:v>
+                </c:pt>
+                <c:pt idx="5">
+                  <c:v>30083</c:v>
+                </c:pt>
+                <c:pt idx="6">
+                  <c:v>29831</c:v>
+                </c:pt>
+                <c:pt idx="7">
+                  <c:v>29604</c:v>
+                </c:pt>
+                <c:pt idx="8">
+                  <c:v>29088</c:v>
+                </c:pt>
+                <c:pt idx="9">
+                  <c:v>28675</c:v>
+                </c:pt>
+                <c:pt idx="10">
+                  <c:v>30120</c:v>
+                </c:pt>
+                <c:pt idx="11">
+                  <c:v>29920</c:v>
+                </c:pt>
+                <c:pt idx="12">
+                  <c:v>29720</c:v>
+                </c:pt>
+                <c:pt idx="13">
+                  <c:v>29370</c:v>
+                </c:pt>
+                <c:pt idx="14">
+                  <c:v>28940</c:v>
+                </c:pt>
+                <c:pt idx="15">
+                  <c:v>30160</c:v>
+                </c:pt>
+                <c:pt idx="16">
+                  <c:v>29960</c:v>
+                </c:pt>
+                <c:pt idx="17">
+                  <c:v>29710</c:v>
+                </c:pt>
+                <c:pt idx="18">
+                  <c:v>29250</c:v>
+                </c:pt>
+                <c:pt idx="19">
+                  <c:v>28890</c:v>
+                </c:pt>
+                <c:pt idx="20">
+                  <c:v>30190</c:v>
+                </c:pt>
+                <c:pt idx="21">
+                  <c:v>29960</c:v>
+                </c:pt>
+                <c:pt idx="22">
+                  <c:v>29770</c:v>
+                </c:pt>
+                <c:pt idx="23">
+                  <c:v>29360</c:v>
+                </c:pt>
+                <c:pt idx="24">
+                  <c:v>28960</c:v>
+                </c:pt>
+                <c:pt idx="25">
+                  <c:v>30160</c:v>
+                </c:pt>
+                <c:pt idx="26">
+                  <c:v>29940</c:v>
+                </c:pt>
+                <c:pt idx="27">
+                  <c:v>29760</c:v>
+                </c:pt>
+                <c:pt idx="28">
+                  <c:v>29350</c:v>
+                </c:pt>
+                <c:pt idx="29">
+                  <c:v>28910</c:v>
+                </c:pt>
+                <c:pt idx="30">
+                  <c:v>30180</c:v>
+                </c:pt>
+                <c:pt idx="31">
+                  <c:v>29940</c:v>
+                </c:pt>
+                <c:pt idx="32">
+                  <c:v>29750</c:v>
+                </c:pt>
+                <c:pt idx="33">
+                  <c:v>29360</c:v>
+                </c:pt>
+                <c:pt idx="34">
+                  <c:v>28900</c:v>
+                </c:pt>
+                <c:pt idx="35">
+                  <c:v>30170</c:v>
+                </c:pt>
+                <c:pt idx="36">
+                  <c:v>29950</c:v>
+                </c:pt>
+                <c:pt idx="37">
+                  <c:v>29740</c:v>
+                </c:pt>
+                <c:pt idx="38">
+                  <c:v>29320</c:v>
+                </c:pt>
+                <c:pt idx="39">
+                  <c:v>28910</c:v>
+                </c:pt>
+              </c:numCache>
+            </c:numRef>
+          </c:xVal>
+          <c:yVal>
+            <c:numRef>
+              <c:f>'Lab 5 Data'!$O$38:$O$77</c:f>
+              <c:numCache>
+                <c:formatCode>General</c:formatCode>
+                <c:ptCount val="40"/>
+                <c:pt idx="0">
+                  <c:v>-11.670773088473652</c:v>
+                </c:pt>
+                <c:pt idx="1">
+                  <c:v>4.6129174563429842</c:v>
+                </c:pt>
+                <c:pt idx="2">
+                  <c:v>15.843120895126049</c:v>
+                </c:pt>
+                <c:pt idx="3">
+                  <c:v>23.250040666654968</c:v>
+                </c:pt>
+                <c:pt idx="4">
+                  <c:v>-54.770936410088325</c:v>
+                </c:pt>
+                <c:pt idx="5">
+                  <c:v>449.22246158229609</c:v>
+                </c:pt>
+                <c:pt idx="6">
+                  <c:v>486.57033665434938</c:v>
+                </c:pt>
+                <c:pt idx="7">
+                  <c:v>437.78449396132419</c:v>
+                </c:pt>
+                <c:pt idx="8">
+                  <c:v>436.54442863267468</c:v>
+                </c:pt>
+                <c:pt idx="9">
+                  <c:v>399.75344611187757</c:v>
+                </c:pt>
+                <c:pt idx="10">
+                  <c:v>24.024559289970057</c:v>
+                </c:pt>
+                <c:pt idx="11">
+                  <c:v>-31.905698589351232</c:v>
+                </c:pt>
+                <c:pt idx="12">
+                  <c:v>-37.835956468672521</c:v>
+                </c:pt>
+                <c:pt idx="13">
+                  <c:v>-44.963907757482957</c:v>
+                </c:pt>
+                <c:pt idx="14">
+                  <c:v>-109.66396219802118</c:v>
+                </c:pt>
+                <c:pt idx="15">
+                  <c:v>98.810610865832132</c:v>
+                </c:pt>
+                <c:pt idx="16">
+                  <c:v>79.880352986514481</c:v>
+                </c:pt>
+                <c:pt idx="17">
+                  <c:v>106.21753063736105</c:v>
+                </c:pt>
+                <c:pt idx="18">
+                  <c:v>83.67793751492718</c:v>
+                </c:pt>
+                <c:pt idx="19">
+                  <c:v>25.603473332150315</c:v>
+                </c:pt>
+                <c:pt idx="20">
+                  <c:v>-161.34985045226858</c:v>
+                </c:pt>
+                <c:pt idx="21">
+                  <c:v>-141.11964701348552</c:v>
+                </c:pt>
+                <c:pt idx="22">
+                  <c:v>-178.10339199884038</c:v>
+                </c:pt>
+                <c:pt idx="23">
+                  <c:v>-189.91042065144939</c:v>
+                </c:pt>
+                <c:pt idx="24">
+                  <c:v>-209.77093641008832</c:v>
+                </c:pt>
+                <c:pt idx="25">
+                  <c:v>-50.189389134167868</c:v>
+                </c:pt>
+                <c:pt idx="26">
+                  <c:v>-37.012672801418375</c:v>
+                </c:pt>
+                <c:pt idx="27">
+                  <c:v>-91.049904892806808</c:v>
+                </c:pt>
+                <c:pt idx="28">
+                  <c:v>-115.85693354541581</c:v>
+                </c:pt>
+                <c:pt idx="29">
+                  <c:v>-130.50350087992047</c:v>
+                </c:pt>
+                <c:pt idx="30">
+                  <c:v>-131.29636334623501</c:v>
+                </c:pt>
+                <c:pt idx="31">
+                  <c:v>-112.01267280141838</c:v>
+                </c:pt>
+                <c:pt idx="32">
+                  <c:v>-108.99641778677324</c:v>
+                </c:pt>
+                <c:pt idx="33">
+                  <c:v>-176.91042065144939</c:v>
+                </c:pt>
+                <c:pt idx="34">
+                  <c:v>-130.45001377388689</c:v>
+                </c:pt>
+                <c:pt idx="35">
+                  <c:v>-69.24287624020144</c:v>
+                </c:pt>
+                <c:pt idx="36">
+                  <c:v>-70.066159907451947</c:v>
+                </c:pt>
+                <c:pt idx="37">
+                  <c:v>-65.942930680739664</c:v>
+                </c:pt>
+                <c:pt idx="38">
+                  <c:v>-86.69647222731146</c:v>
+                </c:pt>
+                <c:pt idx="39">
+                  <c:v>-124.50350087992047</c:v>
+                </c:pt>
+              </c:numCache>
+            </c:numRef>
+          </c:yVal>
+          <c:smooth val="0"/>
+          <c:extLst>
+            <c:ext xmlns:c16="http://schemas.microsoft.com/office/drawing/2014/chart" uri="{C3380CC4-5D6E-409C-BE32-E72D297353CC}">
+              <c16:uniqueId val="{00000000-F353-4AD4-8A93-35630747E667}"/>
+            </c:ext>
+          </c:extLst>
+        </c:ser>
+        <c:dLbls>
+          <c:showLegendKey val="0"/>
+          <c:showVal val="0"/>
+          <c:showCatName val="0"/>
+          <c:showSerName val="0"/>
+          <c:showPercent val="0"/>
+          <c:showBubbleSize val="0"/>
+        </c:dLbls>
+        <c:axId val="684339776"/>
+        <c:axId val="681992048"/>
+      </c:scatterChart>
+      <c:valAx>
+        <c:axId val="684339776"/>
+        <c:scaling>
+          <c:orientation val="minMax"/>
+          <c:max val="30300"/>
+          <c:min val="28600"/>
+        </c:scaling>
+        <c:delete val="0"/>
+        <c:axPos val="b"/>
+        <c:title>
+          <c:tx>
+            <c:rich>
+              <a:bodyPr/>
+              <a:lstStyle/>
+              <a:p>
+                <a:pPr>
+                  <a:defRPr sz="2500" b="0"/>
+                </a:pPr>
+                <a:r>
+                  <a:rPr lang="en-CA" sz="2500" b="0"/>
+                  <a:t>rate</a:t>
+                </a:r>
+              </a:p>
+            </c:rich>
+          </c:tx>
+          <c:overlay val="0"/>
+        </c:title>
+        <c:numFmt formatCode="0" sourceLinked="1"/>
+        <c:majorTickMark val="out"/>
+        <c:minorTickMark val="none"/>
+        <c:tickLblPos val="nextTo"/>
+        <c:txPr>
+          <a:bodyPr/>
+          <a:lstStyle/>
+          <a:p>
+            <a:pPr>
+              <a:defRPr sz="2200"/>
+            </a:pPr>
+            <a:endParaRPr lang="en-US"/>
+          </a:p>
+        </c:txPr>
+        <c:crossAx val="681992048"/>
+        <c:crosses val="autoZero"/>
+        <c:crossBetween val="midCat"/>
+      </c:valAx>
+      <c:valAx>
+        <c:axId val="681992048"/>
+        <c:scaling>
+          <c:orientation val="minMax"/>
+        </c:scaling>
+        <c:delete val="0"/>
+        <c:axPos val="l"/>
+        <c:title>
+          <c:tx>
+            <c:rich>
+              <a:bodyPr/>
+              <a:lstStyle/>
+              <a:p>
+                <a:pPr>
+                  <a:defRPr sz="2200"/>
+                </a:pPr>
+                <a:r>
+                  <a:rPr lang="en-CA" sz="2500" b="0" dirty="0"/>
+                  <a:t>Residuals</a:t>
+                </a:r>
+              </a:p>
+            </c:rich>
+          </c:tx>
+          <c:overlay val="0"/>
+        </c:title>
+        <c:numFmt formatCode="General" sourceLinked="1"/>
+        <c:majorTickMark val="out"/>
+        <c:minorTickMark val="none"/>
+        <c:tickLblPos val="nextTo"/>
+        <c:txPr>
+          <a:bodyPr/>
+          <a:lstStyle/>
+          <a:p>
+            <a:pPr>
+              <a:defRPr sz="2200"/>
+            </a:pPr>
+            <a:endParaRPr lang="en-US"/>
+          </a:p>
+        </c:txPr>
+        <c:crossAx val="684339776"/>
+        <c:crosses val="autoZero"/>
+        <c:crossBetween val="midCat"/>
+      </c:valAx>
+    </c:plotArea>
+    <c:plotVisOnly val="1"/>
+    <c:dispBlanksAs val="gap"/>
+    <c:extLst>
+      <c:ext xmlns:c16r3="http://schemas.microsoft.com/office/drawing/2017/03/chart" uri="{56B9EC1D-385E-4148-901F-78D8002777C0}">
+        <c16r3:dataDisplayOptions16>
+          <c16r3:dispNaAsBlank val="1"/>
+        </c16r3:dataDisplayOptions16>
+      </c:ext>
+    </c:extLst>
+    <c:showDLblsOverMax val="0"/>
+  </c:chart>
+  <c:externalData r:id="rId1">
+    <c:autoUpdate val="0"/>
+  </c:externalData>
+</c:chartSpace>
+</file>
+
+<file path=ppt/charts/chart5.xml><?xml version="1.0" encoding="utf-8"?>
+<c:chartSpace xmlns:c="http://schemas.openxmlformats.org/drawingml/2006/chart" xmlns:a="http://schemas.openxmlformats.org/drawingml/2006/main" xmlns:r="http://schemas.openxmlformats.org/officeDocument/2006/relationships" xmlns:c16r2="http://schemas.microsoft.com/office/drawing/2015/06/chart">
+  <c:date1904 val="0"/>
+  <c:lang val="en-US"/>
+  <c:roundedCorners val="0"/>
+  <mc:AlternateContent xmlns:mc="http://schemas.openxmlformats.org/markup-compatibility/2006">
+    <mc:Choice xmlns:c14="http://schemas.microsoft.com/office/drawing/2007/8/2/chart" Requires="c14">
+      <c14:style val="102"/>
+    </mc:Choice>
+    <mc:Fallback>
+      <c:style val="2"/>
+    </mc:Fallback>
+  </mc:AlternateContent>
+  <c:chart>
+    <c:title>
+      <c:tx>
+        <c:rich>
+          <a:bodyPr/>
+          <a:lstStyle/>
+          <a:p>
+            <a:pPr>
+              <a:defRPr sz="3200"/>
+            </a:pPr>
+            <a:r>
+              <a:rPr lang="en-CA" sz="3200"/>
+              <a:t>Normal Probability Plot</a:t>
+            </a:r>
+          </a:p>
+        </c:rich>
+      </c:tx>
+      <c:overlay val="0"/>
+    </c:title>
+    <c:autoTitleDeleted val="0"/>
+    <c:plotArea>
+      <c:layout/>
+      <c:scatterChart>
+        <c:scatterStyle val="lineMarker"/>
+        <c:varyColors val="0"/>
+        <c:ser>
+          <c:idx val="0"/>
+          <c:order val="0"/>
+          <c:spPr>
+            <a:ln w="19050">
+              <a:noFill/>
+            </a:ln>
+          </c:spPr>
+          <c:xVal>
+            <c:numRef>
+              <c:f>'Lab 5 Data'!$R$38:$R$77</c:f>
+              <c:numCache>
+                <c:formatCode>General</c:formatCode>
+                <c:ptCount val="40"/>
+                <c:pt idx="0">
+                  <c:v>1.25</c:v>
+                </c:pt>
+                <c:pt idx="1">
+                  <c:v>3.75</c:v>
+                </c:pt>
+                <c:pt idx="2">
+                  <c:v>6.25</c:v>
+                </c:pt>
+                <c:pt idx="3">
+                  <c:v>8.75</c:v>
+                </c:pt>
+                <c:pt idx="4">
+                  <c:v>11.25</c:v>
+                </c:pt>
+                <c:pt idx="5">
+                  <c:v>13.75</c:v>
+                </c:pt>
+                <c:pt idx="6">
+                  <c:v>16.25</c:v>
+                </c:pt>
+                <c:pt idx="7">
+                  <c:v>18.75</c:v>
+                </c:pt>
+                <c:pt idx="8">
+                  <c:v>21.25</c:v>
+                </c:pt>
+                <c:pt idx="9">
+                  <c:v>23.75</c:v>
+                </c:pt>
+                <c:pt idx="10">
+                  <c:v>26.25</c:v>
+                </c:pt>
+                <c:pt idx="11">
+                  <c:v>28.75</c:v>
+                </c:pt>
+                <c:pt idx="12">
+                  <c:v>31.25</c:v>
+                </c:pt>
+                <c:pt idx="13">
+                  <c:v>33.75</c:v>
+                </c:pt>
+                <c:pt idx="14">
+                  <c:v>36.25</c:v>
+                </c:pt>
+                <c:pt idx="15">
+                  <c:v>38.75</c:v>
+                </c:pt>
+                <c:pt idx="16">
+                  <c:v>41.25</c:v>
+                </c:pt>
+                <c:pt idx="17">
+                  <c:v>43.75</c:v>
+                </c:pt>
+                <c:pt idx="18">
+                  <c:v>46.25</c:v>
+                </c:pt>
+                <c:pt idx="19">
+                  <c:v>48.75</c:v>
+                </c:pt>
+                <c:pt idx="20">
+                  <c:v>51.25</c:v>
+                </c:pt>
+                <c:pt idx="21">
+                  <c:v>53.75</c:v>
+                </c:pt>
+                <c:pt idx="22">
+                  <c:v>56.25</c:v>
+                </c:pt>
+                <c:pt idx="23">
+                  <c:v>58.75</c:v>
+                </c:pt>
+                <c:pt idx="24">
+                  <c:v>61.25</c:v>
+                </c:pt>
+                <c:pt idx="25">
+                  <c:v>63.75</c:v>
+                </c:pt>
+                <c:pt idx="26">
+                  <c:v>66.25</c:v>
+                </c:pt>
+                <c:pt idx="27">
+                  <c:v>68.75</c:v>
+                </c:pt>
+                <c:pt idx="28">
+                  <c:v>71.25</c:v>
+                </c:pt>
+                <c:pt idx="29">
+                  <c:v>73.75</c:v>
+                </c:pt>
+                <c:pt idx="30">
+                  <c:v>76.25</c:v>
+                </c:pt>
+                <c:pt idx="31">
+                  <c:v>78.75</c:v>
+                </c:pt>
+                <c:pt idx="32">
+                  <c:v>81.25</c:v>
+                </c:pt>
+                <c:pt idx="33">
+                  <c:v>83.75</c:v>
+                </c:pt>
+                <c:pt idx="34">
+                  <c:v>86.25</c:v>
+                </c:pt>
+                <c:pt idx="35">
+                  <c:v>88.75</c:v>
+                </c:pt>
+                <c:pt idx="36">
+                  <c:v>91.25</c:v>
+                </c:pt>
+                <c:pt idx="37">
+                  <c:v>93.75</c:v>
+                </c:pt>
+                <c:pt idx="38">
+                  <c:v>96.25</c:v>
+                </c:pt>
+                <c:pt idx="39">
+                  <c:v>98.75</c:v>
+                </c:pt>
+              </c:numCache>
+            </c:numRef>
+          </c:xVal>
+          <c:yVal>
+            <c:numRef>
+              <c:f>'Lab 5 Data'!$S$38:$S$77</c:f>
+              <c:numCache>
+                <c:formatCode>General</c:formatCode>
+                <c:ptCount val="40"/>
+                <c:pt idx="0">
+                  <c:v>3045</c:v>
+                </c:pt>
+                <c:pt idx="1">
+                  <c:v>3064</c:v>
+                </c:pt>
+                <c:pt idx="2">
+                  <c:v>3074</c:v>
+                </c:pt>
+                <c:pt idx="3">
+                  <c:v>3080</c:v>
+                </c:pt>
+                <c:pt idx="4">
+                  <c:v>3125</c:v>
+                </c:pt>
+                <c:pt idx="5">
+                  <c:v>3200</c:v>
+                </c:pt>
+                <c:pt idx="6">
+                  <c:v>3210</c:v>
+                </c:pt>
+                <c:pt idx="7">
+                  <c:v>3368</c:v>
+                </c:pt>
+                <c:pt idx="8">
+                  <c:v>3467</c:v>
+                </c:pt>
+                <c:pt idx="9">
+                  <c:v>3480</c:v>
+                </c:pt>
+                <c:pt idx="10">
+                  <c:v>3530</c:v>
+                </c:pt>
+                <c:pt idx="11">
+                  <c:v>3531</c:v>
+                </c:pt>
+                <c:pt idx="12">
+                  <c:v>3622</c:v>
+                </c:pt>
+                <c:pt idx="13">
+                  <c:v>3630</c:v>
+                </c:pt>
+                <c:pt idx="14">
+                  <c:v>3650</c:v>
+                </c:pt>
+                <c:pt idx="15">
+                  <c:v>3820</c:v>
+                </c:pt>
+                <c:pt idx="16">
+                  <c:v>3891</c:v>
+                </c:pt>
+                <c:pt idx="17">
+                  <c:v>3940</c:v>
+                </c:pt>
+                <c:pt idx="18">
+                  <c:v>3968</c:v>
+                </c:pt>
+                <c:pt idx="19">
+                  <c:v>3973</c:v>
+                </c:pt>
+                <c:pt idx="20">
+                  <c:v>3981</c:v>
+                </c:pt>
+                <c:pt idx="21">
+                  <c:v>4095</c:v>
+                </c:pt>
+                <c:pt idx="22">
+                  <c:v>4115</c:v>
+                </c:pt>
+                <c:pt idx="23">
+                  <c:v>4119</c:v>
+                </c:pt>
+                <c:pt idx="24">
+                  <c:v>4128</c:v>
+                </c:pt>
+                <c:pt idx="25">
+                  <c:v>4180</c:v>
+                </c:pt>
+                <c:pt idx="26">
+                  <c:v>4188</c:v>
+                </c:pt>
+                <c:pt idx="27">
+                  <c:v>4203</c:v>
+                </c:pt>
+                <c:pt idx="28">
+                  <c:v>4315</c:v>
+                </c:pt>
+                <c:pt idx="29">
+                  <c:v>4330</c:v>
+                </c:pt>
+                <c:pt idx="30">
+                  <c:v>4340</c:v>
+                </c:pt>
+                <c:pt idx="31">
+                  <c:v>4340</c:v>
+                </c:pt>
+                <c:pt idx="32">
+                  <c:v>4350</c:v>
+                </c:pt>
+                <c:pt idx="33">
+                  <c:v>4402</c:v>
+                </c:pt>
+                <c:pt idx="34">
+                  <c:v>4411</c:v>
+                </c:pt>
+                <c:pt idx="35">
+                  <c:v>4445</c:v>
+                </c:pt>
+                <c:pt idx="36">
+                  <c:v>4540</c:v>
+                </c:pt>
+                <c:pt idx="37">
+                  <c:v>4560</c:v>
+                </c:pt>
+                <c:pt idx="38">
+                  <c:v>4617</c:v>
+                </c:pt>
+                <c:pt idx="39">
+                  <c:v>4833</c:v>
+                </c:pt>
+              </c:numCache>
+            </c:numRef>
+          </c:yVal>
+          <c:smooth val="0"/>
+          <c:extLst>
+            <c:ext xmlns:c16="http://schemas.microsoft.com/office/drawing/2014/chart" uri="{C3380CC4-5D6E-409C-BE32-E72D297353CC}">
+              <c16:uniqueId val="{00000000-6984-4FDB-8ADC-FA896D146F18}"/>
+            </c:ext>
+          </c:extLst>
+        </c:ser>
+        <c:dLbls>
+          <c:showLegendKey val="0"/>
+          <c:showVal val="0"/>
+          <c:showCatName val="0"/>
+          <c:showSerName val="0"/>
+          <c:showPercent val="0"/>
+          <c:showBubbleSize val="0"/>
+        </c:dLbls>
+        <c:axId val="684354976"/>
+        <c:axId val="681988720"/>
+      </c:scatterChart>
+      <c:valAx>
+        <c:axId val="684354976"/>
+        <c:scaling>
+          <c:orientation val="minMax"/>
+        </c:scaling>
+        <c:delete val="0"/>
+        <c:axPos val="b"/>
+        <c:title>
+          <c:tx>
+            <c:rich>
+              <a:bodyPr/>
+              <a:lstStyle/>
+              <a:p>
+                <a:pPr>
+                  <a:defRPr sz="2200"/>
+                </a:pPr>
+                <a:r>
+                  <a:rPr lang="en-CA" sz="2200"/>
+                  <a:t>Sample Percentile</a:t>
+                </a:r>
+              </a:p>
+            </c:rich>
+          </c:tx>
+          <c:overlay val="0"/>
+        </c:title>
+        <c:numFmt formatCode="General" sourceLinked="1"/>
+        <c:majorTickMark val="out"/>
+        <c:minorTickMark val="none"/>
+        <c:tickLblPos val="nextTo"/>
+        <c:txPr>
+          <a:bodyPr/>
+          <a:lstStyle/>
+          <a:p>
+            <a:pPr>
+              <a:defRPr sz="2500"/>
+            </a:pPr>
+            <a:endParaRPr lang="en-US"/>
+          </a:p>
+        </c:txPr>
+        <c:crossAx val="681988720"/>
+        <c:crosses val="autoZero"/>
+        <c:crossBetween val="midCat"/>
+      </c:valAx>
+      <c:valAx>
+        <c:axId val="681988720"/>
+        <c:scaling>
+          <c:orientation val="minMax"/>
+        </c:scaling>
+        <c:delete val="0"/>
+        <c:axPos val="l"/>
+        <c:title>
+          <c:tx>
+            <c:rich>
+              <a:bodyPr/>
+              <a:lstStyle/>
+              <a:p>
+                <a:pPr>
+                  <a:defRPr sz="2200"/>
+                </a:pPr>
+                <a:r>
+                  <a:rPr lang="en-CA" sz="2200"/>
+                  <a:t>thrust</a:t>
+                </a:r>
+              </a:p>
+            </c:rich>
+          </c:tx>
+          <c:overlay val="0"/>
+        </c:title>
+        <c:numFmt formatCode="General" sourceLinked="1"/>
+        <c:majorTickMark val="out"/>
+        <c:minorTickMark val="none"/>
+        <c:tickLblPos val="nextTo"/>
+        <c:txPr>
+          <a:bodyPr/>
+          <a:lstStyle/>
+          <a:p>
+            <a:pPr>
+              <a:defRPr sz="2500"/>
+            </a:pPr>
+            <a:endParaRPr lang="en-US"/>
+          </a:p>
+        </c:txPr>
+        <c:crossAx val="684354976"/>
+        <c:crosses val="autoZero"/>
+        <c:crossBetween val="midCat"/>
+      </c:valAx>
+    </c:plotArea>
+    <c:plotVisOnly val="1"/>
+    <c:dispBlanksAs val="gap"/>
+    <c:extLst>
+      <c:ext xmlns:c16r3="http://schemas.microsoft.com/office/drawing/2017/03/chart" uri="{56B9EC1D-385E-4148-901F-78D8002777C0}">
+        <c16r3:dataDisplayOptions16>
+          <c16r3:dispNaAsBlank val="1"/>
+        </c16r3:dataDisplayOptions16>
+      </c:ext>
+    </c:extLst>
+    <c:showDLblsOverMax val="0"/>
+  </c:chart>
+  <c:externalData r:id="rId1">
     <c:autoUpdate val="0"/>
   </c:externalData>
 </c:chartSpace>
@@ -3844,7 +4708,7 @@
           <a:p>
             <a:fld id="{3405DA31-62C9-456A-9E83-4EFDB57182F7}" type="datetimeFigureOut">
               <a:rPr lang="en-CA" smtClean="0"/>
-              <a:t>2018-11-28</a:t>
+              <a:t>2018-11-29</a:t>
             </a:fld>
             <a:endParaRPr lang="en-CA"/>
           </a:p>
@@ -4044,7 +4908,7 @@
           <a:p>
             <a:fld id="{3405DA31-62C9-456A-9E83-4EFDB57182F7}" type="datetimeFigureOut">
               <a:rPr lang="en-CA" smtClean="0"/>
-              <a:t>2018-11-28</a:t>
+              <a:t>2018-11-29</a:t>
             </a:fld>
             <a:endParaRPr lang="en-CA"/>
           </a:p>
@@ -4254,7 +5118,7 @@
           <a:p>
             <a:fld id="{3405DA31-62C9-456A-9E83-4EFDB57182F7}" type="datetimeFigureOut">
               <a:rPr lang="en-CA" smtClean="0"/>
-              <a:t>2018-11-28</a:t>
+              <a:t>2018-11-29</a:t>
             </a:fld>
             <a:endParaRPr lang="en-CA"/>
           </a:p>
@@ -4454,7 +5318,7 @@
           <a:p>
             <a:fld id="{3405DA31-62C9-456A-9E83-4EFDB57182F7}" type="datetimeFigureOut">
               <a:rPr lang="en-CA" smtClean="0"/>
-              <a:t>2018-11-28</a:t>
+              <a:t>2018-11-29</a:t>
             </a:fld>
             <a:endParaRPr lang="en-CA"/>
           </a:p>
@@ -4730,7 +5594,7 @@
           <a:p>
             <a:fld id="{3405DA31-62C9-456A-9E83-4EFDB57182F7}" type="datetimeFigureOut">
               <a:rPr lang="en-CA" smtClean="0"/>
-              <a:t>2018-11-28</a:t>
+              <a:t>2018-11-29</a:t>
             </a:fld>
             <a:endParaRPr lang="en-CA"/>
           </a:p>
@@ -4998,7 +5862,7 @@
           <a:p>
             <a:fld id="{3405DA31-62C9-456A-9E83-4EFDB57182F7}" type="datetimeFigureOut">
               <a:rPr lang="en-CA" smtClean="0"/>
-              <a:t>2018-11-28</a:t>
+              <a:t>2018-11-29</a:t>
             </a:fld>
             <a:endParaRPr lang="en-CA"/>
           </a:p>
@@ -5413,7 +6277,7 @@
           <a:p>
             <a:fld id="{3405DA31-62C9-456A-9E83-4EFDB57182F7}" type="datetimeFigureOut">
               <a:rPr lang="en-CA" smtClean="0"/>
-              <a:t>2018-11-28</a:t>
+              <a:t>2018-11-29</a:t>
             </a:fld>
             <a:endParaRPr lang="en-CA"/>
           </a:p>
@@ -5555,7 +6419,7 @@
           <a:p>
             <a:fld id="{3405DA31-62C9-456A-9E83-4EFDB57182F7}" type="datetimeFigureOut">
               <a:rPr lang="en-CA" smtClean="0"/>
-              <a:t>2018-11-28</a:t>
+              <a:t>2018-11-29</a:t>
             </a:fld>
             <a:endParaRPr lang="en-CA"/>
           </a:p>
@@ -5668,7 +6532,7 @@
           <a:p>
             <a:fld id="{3405DA31-62C9-456A-9E83-4EFDB57182F7}" type="datetimeFigureOut">
               <a:rPr lang="en-CA" smtClean="0"/>
-              <a:t>2018-11-28</a:t>
+              <a:t>2018-11-29</a:t>
             </a:fld>
             <a:endParaRPr lang="en-CA"/>
           </a:p>
@@ -5981,7 +6845,7 @@
           <a:p>
             <a:fld id="{3405DA31-62C9-456A-9E83-4EFDB57182F7}" type="datetimeFigureOut">
               <a:rPr lang="en-CA" smtClean="0"/>
-              <a:t>2018-11-28</a:t>
+              <a:t>2018-11-29</a:t>
             </a:fld>
             <a:endParaRPr lang="en-CA"/>
           </a:p>
@@ -6270,7 +7134,7 @@
           <a:p>
             <a:fld id="{3405DA31-62C9-456A-9E83-4EFDB57182F7}" type="datetimeFigureOut">
               <a:rPr lang="en-CA" smtClean="0"/>
-              <a:t>2018-11-28</a:t>
+              <a:t>2018-11-29</a:t>
             </a:fld>
             <a:endParaRPr lang="en-CA"/>
           </a:p>
@@ -6513,7 +7377,7 @@
           <a:p>
             <a:fld id="{3405DA31-62C9-456A-9E83-4EFDB57182F7}" type="datetimeFigureOut">
               <a:rPr lang="en-CA" smtClean="0"/>
-              <a:t>2018-11-28</a:t>
+              <a:t>2018-11-29</a:t>
             </a:fld>
             <a:endParaRPr lang="en-CA"/>
           </a:p>
@@ -6942,11 +7806,17 @@
           <p:cNvGraphicFramePr>
             <a:graphicFrameLocks/>
           </p:cNvGraphicFramePr>
-          <p:nvPr/>
+          <p:nvPr>
+            <p:extLst>
+              <p:ext uri="{D42A27DB-BD31-4B8C-83A1-F6EECF244321}">
+                <p14:modId xmlns:p14="http://schemas.microsoft.com/office/powerpoint/2010/main" val="1989163837"/>
+              </p:ext>
+            </p:extLst>
+          </p:nvPr>
         </p:nvGraphicFramePr>
         <p:xfrm>
-          <a:off x="3810000" y="2057400"/>
-          <a:ext cx="4572000" cy="2743200"/>
+          <a:off x="0" y="1"/>
+          <a:ext cx="12192000" cy="6858000"/>
         </p:xfrm>
         <a:graphic>
           <a:graphicData uri="http://schemas.openxmlformats.org/drawingml/2006/chart">
@@ -6996,11 +7866,17 @@
           <p:cNvGraphicFramePr>
             <a:graphicFrameLocks/>
           </p:cNvGraphicFramePr>
-          <p:nvPr/>
+          <p:nvPr>
+            <p:extLst>
+              <p:ext uri="{D42A27DB-BD31-4B8C-83A1-F6EECF244321}">
+                <p14:modId xmlns:p14="http://schemas.microsoft.com/office/powerpoint/2010/main" val="4070837383"/>
+              </p:ext>
+            </p:extLst>
+          </p:nvPr>
         </p:nvGraphicFramePr>
         <p:xfrm>
-          <a:off x="3810000" y="2057400"/>
-          <a:ext cx="4572000" cy="2743200"/>
+          <a:off x="0" y="0"/>
+          <a:ext cx="12192000" cy="6858000"/>
         </p:xfrm>
         <a:graphic>
           <a:graphicData uri="http://schemas.openxmlformats.org/drawingml/2006/chart">
@@ -7050,11 +7926,17 @@
           <p:cNvGraphicFramePr>
             <a:graphicFrameLocks/>
           </p:cNvGraphicFramePr>
-          <p:nvPr/>
+          <p:nvPr>
+            <p:extLst>
+              <p:ext uri="{D42A27DB-BD31-4B8C-83A1-F6EECF244321}">
+                <p14:modId xmlns:p14="http://schemas.microsoft.com/office/powerpoint/2010/main" val="2634687159"/>
+              </p:ext>
+            </p:extLst>
+          </p:nvPr>
         </p:nvGraphicFramePr>
         <p:xfrm>
-          <a:off x="3810000" y="2057400"/>
-          <a:ext cx="4572000" cy="2743200"/>
+          <a:off x="0" y="0"/>
+          <a:ext cx="12192000" cy="6858000"/>
         </p:xfrm>
         <a:graphic>
           <a:graphicData uri="http://schemas.openxmlformats.org/drawingml/2006/chart">
@@ -7092,6 +7974,36 @@
           <a:chExt cx="0" cy="0"/>
         </a:xfrm>
       </p:grpSpPr>
+      <p:graphicFrame>
+        <p:nvGraphicFramePr>
+          <p:cNvPr id="2" name="Chart 1">
+            <a:extLst>
+              <a:ext uri="{FF2B5EF4-FFF2-40B4-BE49-F238E27FC236}">
+                <a16:creationId xmlns:a16="http://schemas.microsoft.com/office/drawing/2014/main" id="{BE351331-783A-49C9-B8B6-970AB50D6196}"/>
+              </a:ext>
+            </a:extLst>
+          </p:cNvPr>
+          <p:cNvGraphicFramePr>
+            <a:graphicFrameLocks/>
+          </p:cNvGraphicFramePr>
+          <p:nvPr>
+            <p:extLst>
+              <p:ext uri="{D42A27DB-BD31-4B8C-83A1-F6EECF244321}">
+                <p14:modId xmlns:p14="http://schemas.microsoft.com/office/powerpoint/2010/main" val="3169265953"/>
+              </p:ext>
+            </p:extLst>
+          </p:nvPr>
+        </p:nvGraphicFramePr>
+        <p:xfrm>
+          <a:off x="0" y="0"/>
+          <a:ext cx="12192000" cy="6858000"/>
+        </p:xfrm>
+        <a:graphic>
+          <a:graphicData uri="http://schemas.openxmlformats.org/drawingml/2006/chart">
+            <c:chart xmlns:c="http://schemas.openxmlformats.org/drawingml/2006/chart" xmlns:r="http://schemas.openxmlformats.org/officeDocument/2006/relationships" r:id="rId2"/>
+          </a:graphicData>
+        </a:graphic>
+      </p:graphicFrame>
     </p:spTree>
     <p:extLst>
       <p:ext uri="{BB962C8B-B14F-4D97-AF65-F5344CB8AC3E}">
@@ -7122,6 +8034,36 @@
           <a:chExt cx="0" cy="0"/>
         </a:xfrm>
       </p:grpSpPr>
+      <p:graphicFrame>
+        <p:nvGraphicFramePr>
+          <p:cNvPr id="2" name="Chart 1">
+            <a:extLst>
+              <a:ext uri="{FF2B5EF4-FFF2-40B4-BE49-F238E27FC236}">
+                <a16:creationId xmlns:a16="http://schemas.microsoft.com/office/drawing/2014/main" id="{0E38E17E-87D4-4B98-B333-457800DD759D}"/>
+              </a:ext>
+            </a:extLst>
+          </p:cNvPr>
+          <p:cNvGraphicFramePr>
+            <a:graphicFrameLocks/>
+          </p:cNvGraphicFramePr>
+          <p:nvPr>
+            <p:extLst>
+              <p:ext uri="{D42A27DB-BD31-4B8C-83A1-F6EECF244321}">
+                <p14:modId xmlns:p14="http://schemas.microsoft.com/office/powerpoint/2010/main" val="3900197958"/>
+              </p:ext>
+            </p:extLst>
+          </p:nvPr>
+        </p:nvGraphicFramePr>
+        <p:xfrm>
+          <a:off x="0" y="0"/>
+          <a:ext cx="12192000" cy="6858000"/>
+        </p:xfrm>
+        <a:graphic>
+          <a:graphicData uri="http://schemas.openxmlformats.org/drawingml/2006/chart">
+            <c:chart xmlns:c="http://schemas.openxmlformats.org/drawingml/2006/chart" xmlns:r="http://schemas.openxmlformats.org/officeDocument/2006/relationships" r:id="rId2"/>
+          </a:graphicData>
+        </a:graphic>
+      </p:graphicFrame>
     </p:spTree>
     <p:extLst>
       <p:ext uri="{BB962C8B-B14F-4D97-AF65-F5344CB8AC3E}">

--- a/Lab5/images/images.pptx
+++ b/Lab5/images/images.pptx
@@ -10,6 +10,8 @@
     <p:sldId id="258" r:id="rId4"/>
     <p:sldId id="259" r:id="rId5"/>
     <p:sldId id="260" r:id="rId6"/>
+    <p:sldId id="261" r:id="rId7"/>
+    <p:sldId id="262" r:id="rId8"/>
   </p:sldIdLst>
   <p:sldSz cx="12192000" cy="6858000"/>
   <p:notesSz cx="6858000" cy="9144000"/>
@@ -2870,6 +2872,861 @@
           </a:p>
         </c:txPr>
         <c:crossAx val="684354976"/>
+        <c:crosses val="autoZero"/>
+        <c:crossBetween val="midCat"/>
+      </c:valAx>
+    </c:plotArea>
+    <c:plotVisOnly val="1"/>
+    <c:dispBlanksAs val="gap"/>
+    <c:extLst>
+      <c:ext xmlns:c16r3="http://schemas.microsoft.com/office/drawing/2017/03/chart" uri="{56B9EC1D-385E-4148-901F-78D8002777C0}">
+        <c16r3:dataDisplayOptions16>
+          <c16r3:dispNaAsBlank val="1"/>
+        </c16r3:dataDisplayOptions16>
+      </c:ext>
+    </c:extLst>
+    <c:showDLblsOverMax val="0"/>
+  </c:chart>
+  <c:externalData r:id="rId1">
+    <c:autoUpdate val="0"/>
+  </c:externalData>
+</c:chartSpace>
+</file>
+
+<file path=ppt/charts/chart6.xml><?xml version="1.0" encoding="utf-8"?>
+<c:chartSpace xmlns:c="http://schemas.openxmlformats.org/drawingml/2006/chart" xmlns:a="http://schemas.openxmlformats.org/drawingml/2006/main" xmlns:r="http://schemas.openxmlformats.org/officeDocument/2006/relationships" xmlns:c16r2="http://schemas.microsoft.com/office/drawing/2015/06/chart">
+  <c:date1904 val="0"/>
+  <c:lang val="en-US"/>
+  <c:roundedCorners val="0"/>
+  <mc:AlternateContent xmlns:mc="http://schemas.openxmlformats.org/markup-compatibility/2006">
+    <mc:Choice xmlns:c14="http://schemas.microsoft.com/office/drawing/2007/8/2/chart" Requires="c14">
+      <c14:style val="102"/>
+    </mc:Choice>
+    <mc:Fallback>
+      <c:style val="2"/>
+    </mc:Fallback>
+  </mc:AlternateContent>
+  <c:chart>
+    <c:title>
+      <c:tx>
+        <c:rich>
+          <a:bodyPr/>
+          <a:lstStyle/>
+          <a:p>
+            <a:pPr>
+              <a:defRPr sz="3200"/>
+            </a:pPr>
+            <a:r>
+              <a:rPr lang="en-CA" sz="3200"/>
+              <a:t>extemp  Residual Plot</a:t>
+            </a:r>
+          </a:p>
+        </c:rich>
+      </c:tx>
+      <c:overlay val="0"/>
+    </c:title>
+    <c:autoTitleDeleted val="0"/>
+    <c:plotArea>
+      <c:layout/>
+      <c:scatterChart>
+        <c:scatterStyle val="lineMarker"/>
+        <c:varyColors val="0"/>
+        <c:ser>
+          <c:idx val="0"/>
+          <c:order val="0"/>
+          <c:spPr>
+            <a:ln w="19050">
+              <a:noFill/>
+            </a:ln>
+          </c:spPr>
+          <c:xVal>
+            <c:numRef>
+              <c:f>'Lab 5 Data'!$C$2:$C$41</c:f>
+              <c:numCache>
+                <c:formatCode>0</c:formatCode>
+                <c:ptCount val="40"/>
+                <c:pt idx="0">
+                  <c:v>1732</c:v>
+                </c:pt>
+                <c:pt idx="1">
+                  <c:v>1697</c:v>
+                </c:pt>
+                <c:pt idx="2">
+                  <c:v>1662</c:v>
+                </c:pt>
+                <c:pt idx="3">
+                  <c:v>1598</c:v>
+                </c:pt>
+                <c:pt idx="4">
+                  <c:v>1541</c:v>
+                </c:pt>
+                <c:pt idx="5">
+                  <c:v>1709</c:v>
+                </c:pt>
+                <c:pt idx="6">
+                  <c:v>1669</c:v>
+                </c:pt>
+                <c:pt idx="7">
+                  <c:v>1640</c:v>
+                </c:pt>
+                <c:pt idx="8">
+                  <c:v>1572</c:v>
+                </c:pt>
+                <c:pt idx="9">
+                  <c:v>1522</c:v>
+                </c:pt>
+                <c:pt idx="10">
+                  <c:v>1740</c:v>
+                </c:pt>
+                <c:pt idx="11">
+                  <c:v>1711</c:v>
+                </c:pt>
+                <c:pt idx="12">
+                  <c:v>1682</c:v>
+                </c:pt>
+                <c:pt idx="13">
+                  <c:v>1630</c:v>
+                </c:pt>
+                <c:pt idx="14">
+                  <c:v>1572</c:v>
+                </c:pt>
+                <c:pt idx="15">
+                  <c:v>1704</c:v>
+                </c:pt>
+                <c:pt idx="16">
+                  <c:v>1679</c:v>
+                </c:pt>
+                <c:pt idx="17">
+                  <c:v>1642</c:v>
+                </c:pt>
+                <c:pt idx="18">
+                  <c:v>1576</c:v>
+                </c:pt>
+                <c:pt idx="19">
+                  <c:v>1528</c:v>
+                </c:pt>
+                <c:pt idx="20">
+                  <c:v>1748</c:v>
+                </c:pt>
+                <c:pt idx="21">
+                  <c:v>1713</c:v>
+                </c:pt>
+                <c:pt idx="22">
+                  <c:v>1684</c:v>
+                </c:pt>
+                <c:pt idx="23">
+                  <c:v>1624</c:v>
+                </c:pt>
+                <c:pt idx="24">
+                  <c:v>1569</c:v>
+                </c:pt>
+                <c:pt idx="25">
+                  <c:v>1746</c:v>
+                </c:pt>
+                <c:pt idx="26">
+                  <c:v>1714</c:v>
+                </c:pt>
+                <c:pt idx="27">
+                  <c:v>1679</c:v>
+                </c:pt>
+                <c:pt idx="28">
+                  <c:v>1621</c:v>
+                </c:pt>
+                <c:pt idx="29">
+                  <c:v>1561</c:v>
+                </c:pt>
+                <c:pt idx="30">
+                  <c:v>1729</c:v>
+                </c:pt>
+                <c:pt idx="31">
+                  <c:v>1692</c:v>
+                </c:pt>
+                <c:pt idx="32">
+                  <c:v>1667</c:v>
+                </c:pt>
+                <c:pt idx="33">
+                  <c:v>1609</c:v>
+                </c:pt>
+                <c:pt idx="34">
+                  <c:v>1552</c:v>
+                </c:pt>
+                <c:pt idx="35">
+                  <c:v>1758</c:v>
+                </c:pt>
+                <c:pt idx="36">
+                  <c:v>1729</c:v>
+                </c:pt>
+                <c:pt idx="37">
+                  <c:v>1690</c:v>
+                </c:pt>
+                <c:pt idx="38">
+                  <c:v>1616</c:v>
+                </c:pt>
+                <c:pt idx="39">
+                  <c:v>1569</c:v>
+                </c:pt>
+              </c:numCache>
+            </c:numRef>
+          </c:xVal>
+          <c:yVal>
+            <c:numRef>
+              <c:f>'Lab 5 Data'!$AL$28:$AL$67</c:f>
+              <c:numCache>
+                <c:formatCode>General</c:formatCode>
+                <c:ptCount val="40"/>
+                <c:pt idx="0">
+                  <c:v>124.56697183874712</c:v>
+                </c:pt>
+                <c:pt idx="1">
+                  <c:v>123.03958089797015</c:v>
+                </c:pt>
+                <c:pt idx="2">
+                  <c:v>126.51218995719501</c:v>
+                </c:pt>
+                <c:pt idx="3">
+                  <c:v>90.14781795120507</c:v>
+                </c:pt>
+                <c:pt idx="4">
+                  <c:v>4.08892413337162</c:v>
+                </c:pt>
+                <c:pt idx="5">
+                  <c:v>564.42040064909452</c:v>
+                </c:pt>
+                <c:pt idx="6">
+                  <c:v>603.81766814534967</c:v>
+                </c:pt>
+                <c:pt idx="7">
+                  <c:v>511.9806870801367</c:v>
+                </c:pt>
+                <c:pt idx="8">
+                  <c:v>426.15604182377137</c:v>
+                </c:pt>
+                <c:pt idx="9">
+                  <c:v>293.40262619409259</c:v>
+                </c:pt>
+                <c:pt idx="10">
+                  <c:v>-21.512481660503909</c:v>
+                </c:pt>
+                <c:pt idx="11">
+                  <c:v>-93.349462725718695</c:v>
+                </c:pt>
+                <c:pt idx="12">
+                  <c:v>-115.18644379093348</c:v>
+                </c:pt>
+                <c:pt idx="13">
+                  <c:v>-142.16999604579905</c:v>
+                </c:pt>
+                <c:pt idx="14">
+                  <c:v>-268.84395817622863</c:v>
+                </c:pt>
+                <c:pt idx="15">
+                  <c:v>323.34505908612664</c:v>
+                </c:pt>
+                <c:pt idx="16">
+                  <c:v>262.96835127128725</c:v>
+                </c:pt>
+                <c:pt idx="17">
+                  <c:v>274.21082370532349</c:v>
+                </c:pt>
+                <c:pt idx="18">
+                  <c:v>210.61631507414677</c:v>
+                </c:pt>
+                <c:pt idx="19">
+                  <c:v>97.093036069654772</c:v>
+                </c:pt>
+                <c:pt idx="20">
+                  <c:v>-187.59193515975676</c:v>
+                </c:pt>
+                <c:pt idx="21">
+                  <c:v>-175.11932610053191</c:v>
+                </c:pt>
+                <c:pt idx="22">
+                  <c:v>-217.95630716574487</c:v>
+                </c:pt>
+                <c:pt idx="23">
+                  <c:v>-258.86040592136123</c:v>
+                </c:pt>
+                <c:pt idx="24">
+                  <c:v>-329.6891631140079</c:v>
+                </c:pt>
+                <c:pt idx="25">
+                  <c:v>-93.822071784943546</c:v>
+                </c:pt>
+                <c:pt idx="26">
+                  <c:v>-97.504257787937604</c:v>
+                </c:pt>
+                <c:pt idx="27">
+                  <c:v>-109.03164872871275</c:v>
+                </c:pt>
+                <c:pt idx="28">
+                  <c:v>-175.70561085914233</c:v>
+                </c:pt>
+                <c:pt idx="29">
+                  <c:v>-249.60970961475687</c:v>
+                </c:pt>
+                <c:pt idx="30">
+                  <c:v>-46.278233099033969</c:v>
+                </c:pt>
+                <c:pt idx="31">
+                  <c:v>-32.035760664997724</c:v>
+                </c:pt>
+                <c:pt idx="32">
+                  <c:v>-60.412468479837116</c:v>
+                </c:pt>
+                <c:pt idx="33">
+                  <c:v>-150.08643061026487</c:v>
+                </c:pt>
+                <c:pt idx="34">
+                  <c:v>-202.14532442810014</c:v>
+                </c:pt>
+                <c:pt idx="35">
+                  <c:v>-179.44125203381918</c:v>
+                </c:pt>
+                <c:pt idx="36">
+                  <c:v>-216.27823309903397</c:v>
+                </c:pt>
+                <c:pt idx="37">
+                  <c:v>-174.26589729018451</c:v>
+                </c:pt>
+                <c:pt idx="38">
+                  <c:v>-144.7809524221102</c:v>
+                </c:pt>
+                <c:pt idx="39">
+                  <c:v>-294.6891631140079</c:v>
+                </c:pt>
+              </c:numCache>
+            </c:numRef>
+          </c:yVal>
+          <c:smooth val="0"/>
+          <c:extLst>
+            <c:ext xmlns:c16="http://schemas.microsoft.com/office/drawing/2014/chart" uri="{C3380CC4-5D6E-409C-BE32-E72D297353CC}">
+              <c16:uniqueId val="{00000000-C3CB-4595-A6FB-E7AA3D70DED4}"/>
+            </c:ext>
+          </c:extLst>
+        </c:ser>
+        <c:dLbls>
+          <c:showLegendKey val="0"/>
+          <c:showVal val="0"/>
+          <c:showCatName val="0"/>
+          <c:showSerName val="0"/>
+          <c:showPercent val="0"/>
+          <c:showBubbleSize val="0"/>
+        </c:dLbls>
+        <c:axId val="375488368"/>
+        <c:axId val="596439824"/>
+      </c:scatterChart>
+      <c:valAx>
+        <c:axId val="375488368"/>
+        <c:scaling>
+          <c:orientation val="minMax"/>
+          <c:max val="1770"/>
+        </c:scaling>
+        <c:delete val="0"/>
+        <c:axPos val="b"/>
+        <c:title>
+          <c:tx>
+            <c:rich>
+              <a:bodyPr/>
+              <a:lstStyle/>
+              <a:p>
+                <a:pPr>
+                  <a:defRPr sz="2500"/>
+                </a:pPr>
+                <a:r>
+                  <a:rPr lang="en-CA" sz="2500"/>
+                  <a:t>extemp</a:t>
+                </a:r>
+              </a:p>
+            </c:rich>
+          </c:tx>
+          <c:overlay val="0"/>
+        </c:title>
+        <c:numFmt formatCode="0" sourceLinked="1"/>
+        <c:majorTickMark val="out"/>
+        <c:minorTickMark val="none"/>
+        <c:tickLblPos val="nextTo"/>
+        <c:txPr>
+          <a:bodyPr/>
+          <a:lstStyle/>
+          <a:p>
+            <a:pPr>
+              <a:defRPr sz="2200"/>
+            </a:pPr>
+            <a:endParaRPr lang="en-US"/>
+          </a:p>
+        </c:txPr>
+        <c:crossAx val="596439824"/>
+        <c:crosses val="autoZero"/>
+        <c:crossBetween val="midCat"/>
+      </c:valAx>
+      <c:valAx>
+        <c:axId val="596439824"/>
+        <c:scaling>
+          <c:orientation val="minMax"/>
+          <c:max val="700"/>
+          <c:min val="-400"/>
+        </c:scaling>
+        <c:delete val="0"/>
+        <c:axPos val="l"/>
+        <c:title>
+          <c:tx>
+            <c:rich>
+              <a:bodyPr/>
+              <a:lstStyle/>
+              <a:p>
+                <a:pPr>
+                  <a:defRPr sz="2500"/>
+                </a:pPr>
+                <a:r>
+                  <a:rPr lang="en-CA" sz="2500"/>
+                  <a:t>Residuals</a:t>
+                </a:r>
+              </a:p>
+            </c:rich>
+          </c:tx>
+          <c:overlay val="0"/>
+        </c:title>
+        <c:numFmt formatCode="General" sourceLinked="1"/>
+        <c:majorTickMark val="out"/>
+        <c:minorTickMark val="none"/>
+        <c:tickLblPos val="nextTo"/>
+        <c:txPr>
+          <a:bodyPr/>
+          <a:lstStyle/>
+          <a:p>
+            <a:pPr>
+              <a:defRPr sz="2200"/>
+            </a:pPr>
+            <a:endParaRPr lang="en-US"/>
+          </a:p>
+        </c:txPr>
+        <c:crossAx val="375488368"/>
+        <c:crosses val="autoZero"/>
+        <c:crossBetween val="midCat"/>
+      </c:valAx>
+    </c:plotArea>
+    <c:plotVisOnly val="1"/>
+    <c:dispBlanksAs val="gap"/>
+    <c:extLst>
+      <c:ext xmlns:c16r3="http://schemas.microsoft.com/office/drawing/2017/03/chart" uri="{56B9EC1D-385E-4148-901F-78D8002777C0}">
+        <c16r3:dataDisplayOptions16>
+          <c16r3:dispNaAsBlank val="1"/>
+        </c16r3:dataDisplayOptions16>
+      </c:ext>
+    </c:extLst>
+    <c:showDLblsOverMax val="0"/>
+  </c:chart>
+  <c:externalData r:id="rId1">
+    <c:autoUpdate val="0"/>
+  </c:externalData>
+</c:chartSpace>
+</file>
+
+<file path=ppt/charts/chart7.xml><?xml version="1.0" encoding="utf-8"?>
+<c:chartSpace xmlns:c="http://schemas.openxmlformats.org/drawingml/2006/chart" xmlns:a="http://schemas.openxmlformats.org/drawingml/2006/main" xmlns:r="http://schemas.openxmlformats.org/officeDocument/2006/relationships" xmlns:c16r2="http://schemas.microsoft.com/office/drawing/2015/06/chart">
+  <c:date1904 val="0"/>
+  <c:lang val="en-US"/>
+  <c:roundedCorners val="0"/>
+  <mc:AlternateContent xmlns:mc="http://schemas.openxmlformats.org/markup-compatibility/2006">
+    <mc:Choice xmlns:c14="http://schemas.microsoft.com/office/drawing/2007/8/2/chart" Requires="c14">
+      <c14:style val="102"/>
+    </mc:Choice>
+    <mc:Fallback>
+      <c:style val="2"/>
+    </mc:Fallback>
+  </mc:AlternateContent>
+  <c:chart>
+    <c:title>
+      <c:tx>
+        <c:rich>
+          <a:bodyPr/>
+          <a:lstStyle/>
+          <a:p>
+            <a:pPr>
+              <a:defRPr sz="3200"/>
+            </a:pPr>
+            <a:r>
+              <a:rPr lang="en-CA" sz="3200"/>
+              <a:t>Normal Probability Plot</a:t>
+            </a:r>
+          </a:p>
+        </c:rich>
+      </c:tx>
+      <c:overlay val="0"/>
+    </c:title>
+    <c:autoTitleDeleted val="0"/>
+    <c:plotArea>
+      <c:layout/>
+      <c:scatterChart>
+        <c:scatterStyle val="lineMarker"/>
+        <c:varyColors val="0"/>
+        <c:ser>
+          <c:idx val="0"/>
+          <c:order val="0"/>
+          <c:spPr>
+            <a:ln w="19050">
+              <a:noFill/>
+            </a:ln>
+          </c:spPr>
+          <c:xVal>
+            <c:numRef>
+              <c:f>'Lab 5 Data'!$AO$28:$AO$67</c:f>
+              <c:numCache>
+                <c:formatCode>General</c:formatCode>
+                <c:ptCount val="40"/>
+                <c:pt idx="0">
+                  <c:v>1.25</c:v>
+                </c:pt>
+                <c:pt idx="1">
+                  <c:v>3.75</c:v>
+                </c:pt>
+                <c:pt idx="2">
+                  <c:v>6.25</c:v>
+                </c:pt>
+                <c:pt idx="3">
+                  <c:v>8.75</c:v>
+                </c:pt>
+                <c:pt idx="4">
+                  <c:v>11.25</c:v>
+                </c:pt>
+                <c:pt idx="5">
+                  <c:v>13.75</c:v>
+                </c:pt>
+                <c:pt idx="6">
+                  <c:v>16.25</c:v>
+                </c:pt>
+                <c:pt idx="7">
+                  <c:v>18.75</c:v>
+                </c:pt>
+                <c:pt idx="8">
+                  <c:v>21.25</c:v>
+                </c:pt>
+                <c:pt idx="9">
+                  <c:v>23.75</c:v>
+                </c:pt>
+                <c:pt idx="10">
+                  <c:v>26.25</c:v>
+                </c:pt>
+                <c:pt idx="11">
+                  <c:v>28.75</c:v>
+                </c:pt>
+                <c:pt idx="12">
+                  <c:v>31.25</c:v>
+                </c:pt>
+                <c:pt idx="13">
+                  <c:v>33.75</c:v>
+                </c:pt>
+                <c:pt idx="14">
+                  <c:v>36.25</c:v>
+                </c:pt>
+                <c:pt idx="15">
+                  <c:v>38.75</c:v>
+                </c:pt>
+                <c:pt idx="16">
+                  <c:v>41.25</c:v>
+                </c:pt>
+                <c:pt idx="17">
+                  <c:v>43.75</c:v>
+                </c:pt>
+                <c:pt idx="18">
+                  <c:v>46.25</c:v>
+                </c:pt>
+                <c:pt idx="19">
+                  <c:v>48.75</c:v>
+                </c:pt>
+                <c:pt idx="20">
+                  <c:v>51.25</c:v>
+                </c:pt>
+                <c:pt idx="21">
+                  <c:v>53.75</c:v>
+                </c:pt>
+                <c:pt idx="22">
+                  <c:v>56.25</c:v>
+                </c:pt>
+                <c:pt idx="23">
+                  <c:v>58.75</c:v>
+                </c:pt>
+                <c:pt idx="24">
+                  <c:v>61.25</c:v>
+                </c:pt>
+                <c:pt idx="25">
+                  <c:v>63.75</c:v>
+                </c:pt>
+                <c:pt idx="26">
+                  <c:v>66.25</c:v>
+                </c:pt>
+                <c:pt idx="27">
+                  <c:v>68.75</c:v>
+                </c:pt>
+                <c:pt idx="28">
+                  <c:v>71.25</c:v>
+                </c:pt>
+                <c:pt idx="29">
+                  <c:v>73.75</c:v>
+                </c:pt>
+                <c:pt idx="30">
+                  <c:v>76.25</c:v>
+                </c:pt>
+                <c:pt idx="31">
+                  <c:v>78.75</c:v>
+                </c:pt>
+                <c:pt idx="32">
+                  <c:v>81.25</c:v>
+                </c:pt>
+                <c:pt idx="33">
+                  <c:v>83.75</c:v>
+                </c:pt>
+                <c:pt idx="34">
+                  <c:v>86.25</c:v>
+                </c:pt>
+                <c:pt idx="35">
+                  <c:v>88.75</c:v>
+                </c:pt>
+                <c:pt idx="36">
+                  <c:v>91.25</c:v>
+                </c:pt>
+                <c:pt idx="37">
+                  <c:v>93.75</c:v>
+                </c:pt>
+                <c:pt idx="38">
+                  <c:v>96.25</c:v>
+                </c:pt>
+                <c:pt idx="39">
+                  <c:v>98.75</c:v>
+                </c:pt>
+              </c:numCache>
+            </c:numRef>
+          </c:xVal>
+          <c:yVal>
+            <c:numRef>
+              <c:f>'Lab 5 Data'!$AP$28:$AP$67</c:f>
+              <c:numCache>
+                <c:formatCode>General</c:formatCode>
+                <c:ptCount val="40"/>
+                <c:pt idx="0">
+                  <c:v>3045</c:v>
+                </c:pt>
+                <c:pt idx="1">
+                  <c:v>3064</c:v>
+                </c:pt>
+                <c:pt idx="2">
+                  <c:v>3074</c:v>
+                </c:pt>
+                <c:pt idx="3">
+                  <c:v>3080</c:v>
+                </c:pt>
+                <c:pt idx="4">
+                  <c:v>3125</c:v>
+                </c:pt>
+                <c:pt idx="5">
+                  <c:v>3200</c:v>
+                </c:pt>
+                <c:pt idx="6">
+                  <c:v>3210</c:v>
+                </c:pt>
+                <c:pt idx="7">
+                  <c:v>3368</c:v>
+                </c:pt>
+                <c:pt idx="8">
+                  <c:v>3467</c:v>
+                </c:pt>
+                <c:pt idx="9">
+                  <c:v>3480</c:v>
+                </c:pt>
+                <c:pt idx="10">
+                  <c:v>3530</c:v>
+                </c:pt>
+                <c:pt idx="11">
+                  <c:v>3531</c:v>
+                </c:pt>
+                <c:pt idx="12">
+                  <c:v>3622</c:v>
+                </c:pt>
+                <c:pt idx="13">
+                  <c:v>3630</c:v>
+                </c:pt>
+                <c:pt idx="14">
+                  <c:v>3650</c:v>
+                </c:pt>
+                <c:pt idx="15">
+                  <c:v>3820</c:v>
+                </c:pt>
+                <c:pt idx="16">
+                  <c:v>3891</c:v>
+                </c:pt>
+                <c:pt idx="17">
+                  <c:v>3940</c:v>
+                </c:pt>
+                <c:pt idx="18">
+                  <c:v>3968</c:v>
+                </c:pt>
+                <c:pt idx="19">
+                  <c:v>3973</c:v>
+                </c:pt>
+                <c:pt idx="20">
+                  <c:v>3981</c:v>
+                </c:pt>
+                <c:pt idx="21">
+                  <c:v>4095</c:v>
+                </c:pt>
+                <c:pt idx="22">
+                  <c:v>4115</c:v>
+                </c:pt>
+                <c:pt idx="23">
+                  <c:v>4119</c:v>
+                </c:pt>
+                <c:pt idx="24">
+                  <c:v>4128</c:v>
+                </c:pt>
+                <c:pt idx="25">
+                  <c:v>4180</c:v>
+                </c:pt>
+                <c:pt idx="26">
+                  <c:v>4188</c:v>
+                </c:pt>
+                <c:pt idx="27">
+                  <c:v>4203</c:v>
+                </c:pt>
+                <c:pt idx="28">
+                  <c:v>4315</c:v>
+                </c:pt>
+                <c:pt idx="29">
+                  <c:v>4330</c:v>
+                </c:pt>
+                <c:pt idx="30">
+                  <c:v>4340</c:v>
+                </c:pt>
+                <c:pt idx="31">
+                  <c:v>4340</c:v>
+                </c:pt>
+                <c:pt idx="32">
+                  <c:v>4350</c:v>
+                </c:pt>
+                <c:pt idx="33">
+                  <c:v>4402</c:v>
+                </c:pt>
+                <c:pt idx="34">
+                  <c:v>4411</c:v>
+                </c:pt>
+                <c:pt idx="35">
+                  <c:v>4445</c:v>
+                </c:pt>
+                <c:pt idx="36">
+                  <c:v>4540</c:v>
+                </c:pt>
+                <c:pt idx="37">
+                  <c:v>4560</c:v>
+                </c:pt>
+                <c:pt idx="38">
+                  <c:v>4617</c:v>
+                </c:pt>
+                <c:pt idx="39">
+                  <c:v>4833</c:v>
+                </c:pt>
+              </c:numCache>
+            </c:numRef>
+          </c:yVal>
+          <c:smooth val="0"/>
+          <c:extLst>
+            <c:ext xmlns:c16="http://schemas.microsoft.com/office/drawing/2014/chart" uri="{C3380CC4-5D6E-409C-BE32-E72D297353CC}">
+              <c16:uniqueId val="{00000000-B67B-45D7-A577-1A2A91F762CB}"/>
+            </c:ext>
+          </c:extLst>
+        </c:ser>
+        <c:dLbls>
+          <c:showLegendKey val="0"/>
+          <c:showVal val="0"/>
+          <c:showCatName val="0"/>
+          <c:showSerName val="0"/>
+          <c:showPercent val="0"/>
+          <c:showBubbleSize val="0"/>
+        </c:dLbls>
+        <c:axId val="375484368"/>
+        <c:axId val="686811936"/>
+      </c:scatterChart>
+      <c:valAx>
+        <c:axId val="375484368"/>
+        <c:scaling>
+          <c:orientation val="minMax"/>
+        </c:scaling>
+        <c:delete val="0"/>
+        <c:axPos val="b"/>
+        <c:title>
+          <c:tx>
+            <c:rich>
+              <a:bodyPr/>
+              <a:lstStyle/>
+              <a:p>
+                <a:pPr>
+                  <a:defRPr sz="2500"/>
+                </a:pPr>
+                <a:r>
+                  <a:rPr lang="en-CA" sz="2500"/>
+                  <a:t>Sample Percentile</a:t>
+                </a:r>
+              </a:p>
+            </c:rich>
+          </c:tx>
+          <c:overlay val="0"/>
+        </c:title>
+        <c:numFmt formatCode="General" sourceLinked="1"/>
+        <c:majorTickMark val="out"/>
+        <c:minorTickMark val="none"/>
+        <c:tickLblPos val="nextTo"/>
+        <c:txPr>
+          <a:bodyPr/>
+          <a:lstStyle/>
+          <a:p>
+            <a:pPr>
+              <a:defRPr sz="2200"/>
+            </a:pPr>
+            <a:endParaRPr lang="en-US"/>
+          </a:p>
+        </c:txPr>
+        <c:crossAx val="686811936"/>
+        <c:crosses val="autoZero"/>
+        <c:crossBetween val="midCat"/>
+      </c:valAx>
+      <c:valAx>
+        <c:axId val="686811936"/>
+        <c:scaling>
+          <c:orientation val="minMax"/>
+        </c:scaling>
+        <c:delete val="0"/>
+        <c:axPos val="l"/>
+        <c:title>
+          <c:tx>
+            <c:rich>
+              <a:bodyPr/>
+              <a:lstStyle/>
+              <a:p>
+                <a:pPr>
+                  <a:defRPr sz="2500"/>
+                </a:pPr>
+                <a:r>
+                  <a:rPr lang="en-CA" sz="2500"/>
+                  <a:t>thrust</a:t>
+                </a:r>
+              </a:p>
+            </c:rich>
+          </c:tx>
+          <c:overlay val="0"/>
+        </c:title>
+        <c:numFmt formatCode="General" sourceLinked="1"/>
+        <c:majorTickMark val="out"/>
+        <c:minorTickMark val="none"/>
+        <c:tickLblPos val="nextTo"/>
+        <c:txPr>
+          <a:bodyPr/>
+          <a:lstStyle/>
+          <a:p>
+            <a:pPr>
+              <a:defRPr sz="2200"/>
+            </a:pPr>
+            <a:endParaRPr lang="en-US"/>
+          </a:p>
+        </c:txPr>
+        <c:crossAx val="375484368"/>
         <c:crosses val="autoZero"/>
         <c:crossBetween val="midCat"/>
       </c:valAx>
@@ -7989,7 +8846,7 @@
           <p:nvPr>
             <p:extLst>
               <p:ext uri="{D42A27DB-BD31-4B8C-83A1-F6EECF244321}">
-                <p14:modId xmlns:p14="http://schemas.microsoft.com/office/powerpoint/2010/main" val="3169265953"/>
+                <p14:modId xmlns:p14="http://schemas.microsoft.com/office/powerpoint/2010/main" val="3019640178"/>
               </p:ext>
             </p:extLst>
           </p:nvPr>
@@ -8049,7 +8906,7 @@
           <p:nvPr>
             <p:extLst>
               <p:ext uri="{D42A27DB-BD31-4B8C-83A1-F6EECF244321}">
-                <p14:modId xmlns:p14="http://schemas.microsoft.com/office/powerpoint/2010/main" val="3900197958"/>
+                <p14:modId xmlns:p14="http://schemas.microsoft.com/office/powerpoint/2010/main" val="578268837"/>
               </p:ext>
             </p:extLst>
           </p:nvPr>
@@ -8068,6 +8925,126 @@
     <p:extLst>
       <p:ext uri="{BB962C8B-B14F-4D97-AF65-F5344CB8AC3E}">
         <p14:creationId xmlns:p14="http://schemas.microsoft.com/office/powerpoint/2010/main" val="3275355807"/>
+      </p:ext>
+    </p:extLst>
+  </p:cSld>
+  <p:clrMapOvr>
+    <a:masterClrMapping/>
+  </p:clrMapOvr>
+</p:sld>
+</file>
+
+<file path=ppt/slides/slide6.xml><?xml version="1.0" encoding="utf-8"?>
+<p:sld xmlns:a="http://schemas.openxmlformats.org/drawingml/2006/main" xmlns:r="http://schemas.openxmlformats.org/officeDocument/2006/relationships" xmlns:p="http://schemas.openxmlformats.org/presentationml/2006/main">
+  <p:cSld>
+    <p:spTree>
+      <p:nvGrpSpPr>
+        <p:cNvPr id="1" name=""/>
+        <p:cNvGrpSpPr/>
+        <p:nvPr/>
+      </p:nvGrpSpPr>
+      <p:grpSpPr>
+        <a:xfrm>
+          <a:off x="0" y="0"/>
+          <a:ext cx="0" cy="0"/>
+          <a:chOff x="0" y="0"/>
+          <a:chExt cx="0" cy="0"/>
+        </a:xfrm>
+      </p:grpSpPr>
+      <p:graphicFrame>
+        <p:nvGraphicFramePr>
+          <p:cNvPr id="2" name="Chart 1">
+            <a:extLst>
+              <a:ext uri="{FF2B5EF4-FFF2-40B4-BE49-F238E27FC236}">
+                <a16:creationId xmlns:a16="http://schemas.microsoft.com/office/drawing/2014/main" id="{F05952C8-CA94-4408-A31A-D5DB98FE5398}"/>
+              </a:ext>
+            </a:extLst>
+          </p:cNvPr>
+          <p:cNvGraphicFramePr>
+            <a:graphicFrameLocks/>
+          </p:cNvGraphicFramePr>
+          <p:nvPr>
+            <p:extLst>
+              <p:ext uri="{D42A27DB-BD31-4B8C-83A1-F6EECF244321}">
+                <p14:modId xmlns:p14="http://schemas.microsoft.com/office/powerpoint/2010/main" val="1750839899"/>
+              </p:ext>
+            </p:extLst>
+          </p:nvPr>
+        </p:nvGraphicFramePr>
+        <p:xfrm>
+          <a:off x="0" y="0"/>
+          <a:ext cx="12192000" cy="6858000"/>
+        </p:xfrm>
+        <a:graphic>
+          <a:graphicData uri="http://schemas.openxmlformats.org/drawingml/2006/chart">
+            <c:chart xmlns:c="http://schemas.openxmlformats.org/drawingml/2006/chart" xmlns:r="http://schemas.openxmlformats.org/officeDocument/2006/relationships" r:id="rId2"/>
+          </a:graphicData>
+        </a:graphic>
+      </p:graphicFrame>
+    </p:spTree>
+    <p:extLst>
+      <p:ext uri="{BB962C8B-B14F-4D97-AF65-F5344CB8AC3E}">
+        <p14:creationId xmlns:p14="http://schemas.microsoft.com/office/powerpoint/2010/main" val="4256846366"/>
+      </p:ext>
+    </p:extLst>
+  </p:cSld>
+  <p:clrMapOvr>
+    <a:masterClrMapping/>
+  </p:clrMapOvr>
+</p:sld>
+</file>
+
+<file path=ppt/slides/slide7.xml><?xml version="1.0" encoding="utf-8"?>
+<p:sld xmlns:a="http://schemas.openxmlformats.org/drawingml/2006/main" xmlns:r="http://schemas.openxmlformats.org/officeDocument/2006/relationships" xmlns:p="http://schemas.openxmlformats.org/presentationml/2006/main">
+  <p:cSld>
+    <p:spTree>
+      <p:nvGrpSpPr>
+        <p:cNvPr id="1" name=""/>
+        <p:cNvGrpSpPr/>
+        <p:nvPr/>
+      </p:nvGrpSpPr>
+      <p:grpSpPr>
+        <a:xfrm>
+          <a:off x="0" y="0"/>
+          <a:ext cx="0" cy="0"/>
+          <a:chOff x="0" y="0"/>
+          <a:chExt cx="0" cy="0"/>
+        </a:xfrm>
+      </p:grpSpPr>
+      <p:graphicFrame>
+        <p:nvGraphicFramePr>
+          <p:cNvPr id="2" name="Chart 1">
+            <a:extLst>
+              <a:ext uri="{FF2B5EF4-FFF2-40B4-BE49-F238E27FC236}">
+                <a16:creationId xmlns:a16="http://schemas.microsoft.com/office/drawing/2014/main" id="{F5BBFF52-0EBF-40A7-AACA-D7746012E0EC}"/>
+              </a:ext>
+            </a:extLst>
+          </p:cNvPr>
+          <p:cNvGraphicFramePr>
+            <a:graphicFrameLocks/>
+          </p:cNvGraphicFramePr>
+          <p:nvPr>
+            <p:extLst>
+              <p:ext uri="{D42A27DB-BD31-4B8C-83A1-F6EECF244321}">
+                <p14:modId xmlns:p14="http://schemas.microsoft.com/office/powerpoint/2010/main" val="2086262413"/>
+              </p:ext>
+            </p:extLst>
+          </p:nvPr>
+        </p:nvGraphicFramePr>
+        <p:xfrm>
+          <a:off x="0" y="0"/>
+          <a:ext cx="12192000" cy="6858000"/>
+        </p:xfrm>
+        <a:graphic>
+          <a:graphicData uri="http://schemas.openxmlformats.org/drawingml/2006/chart">
+            <c:chart xmlns:c="http://schemas.openxmlformats.org/drawingml/2006/chart" xmlns:r="http://schemas.openxmlformats.org/officeDocument/2006/relationships" r:id="rId2"/>
+          </a:graphicData>
+        </a:graphic>
+      </p:graphicFrame>
+    </p:spTree>
+    <p:extLst>
+      <p:ext uri="{BB962C8B-B14F-4D97-AF65-F5344CB8AC3E}">
+        <p14:creationId xmlns:p14="http://schemas.microsoft.com/office/powerpoint/2010/main" val="803855143"/>
       </p:ext>
     </p:extLst>
   </p:cSld>
